--- a/05 Flux and Redux.pptx
+++ b/05 Flux and Redux.pptx
@@ -10646,10 +10646,6 @@
             </a:r>
           </a:p>
           <a:p>
-            <a:pPr marL="571500" indent="-571500">
-              <a:buFont typeface="Arial" panose="020B0604020202020204" pitchFamily="34" charset="0"/>
-              <a:buChar char="•"/>
-            </a:pPr>
             <a:endParaRPr lang="en-US" sz="2400" dirty="0"/>
           </a:p>
         </p:txBody>
@@ -10686,10 +10682,10 @@
       </p:grpSpPr>
       <p:pic>
         <p:nvPicPr>
-          <p:cNvPr id="4" name="Picture 3">
+          <p:cNvPr id="8" name="Picture 7">
             <a:extLst>
               <a:ext uri="{FF2B5EF4-FFF2-40B4-BE49-F238E27FC236}">
-                <a16:creationId xmlns:a16="http://schemas.microsoft.com/office/drawing/2014/main" id="{247E8D90-ACDC-1548-97E7-758C275AA361}"/>
+                <a16:creationId xmlns:a16="http://schemas.microsoft.com/office/drawing/2014/main" id="{D17C36B4-C835-4247-AE06-EEB4FFED698C}"/>
               </a:ext>
             </a:extLst>
           </p:cNvPr>
@@ -10706,8 +10702,8 @@
         </p:blipFill>
         <p:spPr>
           <a:xfrm>
-            <a:off x="0" y="1255128"/>
-            <a:ext cx="8372268" cy="5174166"/>
+            <a:off x="-1" y="937520"/>
+            <a:ext cx="9490535" cy="5713445"/>
           </a:xfrm>
           <a:prstGeom prst="rect">
             <a:avLst/>
@@ -10763,7 +10759,7 @@
         </p:nvSpPr>
         <p:spPr>
           <a:xfrm>
-            <a:off x="7778595" y="1255128"/>
+            <a:off x="6450127" y="1134359"/>
             <a:ext cx="4413405" cy="4377880"/>
           </a:xfrm>
         </p:spPr>
@@ -10803,6 +10799,86 @@
               <a:buChar char="•"/>
             </a:pPr>
             <a:endParaRPr lang="en-US" sz="2400" dirty="0"/>
+          </a:p>
+        </p:txBody>
+      </p:sp>
+      <p:cxnSp>
+        <p:nvCxnSpPr>
+          <p:cNvPr id="6" name="Straight Arrow Connector 5">
+            <a:extLst>
+              <a:ext uri="{FF2B5EF4-FFF2-40B4-BE49-F238E27FC236}">
+                <a16:creationId xmlns:a16="http://schemas.microsoft.com/office/drawing/2014/main" id="{B86E2C0F-2529-E142-A0B6-9D570A692334}"/>
+              </a:ext>
+            </a:extLst>
+          </p:cNvPr>
+          <p:cNvCxnSpPr>
+            <a:cxnSpLocks/>
+          </p:cNvCxnSpPr>
+          <p:nvPr/>
+        </p:nvCxnSpPr>
+        <p:spPr>
+          <a:xfrm flipH="1" flipV="1">
+            <a:off x="6967712" y="4511616"/>
+            <a:ext cx="992037" cy="457200"/>
+          </a:xfrm>
+          <a:prstGeom prst="straightConnector1">
+            <a:avLst/>
+          </a:prstGeom>
+          <a:ln>
+            <a:tailEnd type="triangle"/>
+          </a:ln>
+        </p:spPr>
+        <p:style>
+          <a:lnRef idx="3">
+            <a:schemeClr val="accent6"/>
+          </a:lnRef>
+          <a:fillRef idx="0">
+            <a:schemeClr val="accent6"/>
+          </a:fillRef>
+          <a:effectRef idx="2">
+            <a:schemeClr val="accent6"/>
+          </a:effectRef>
+          <a:fontRef idx="minor">
+            <a:schemeClr val="tx1"/>
+          </a:fontRef>
+        </p:style>
+      </p:cxnSp>
+      <p:sp>
+        <p:nvSpPr>
+          <p:cNvPr id="9" name="TextBox 8">
+            <a:extLst>
+              <a:ext uri="{FF2B5EF4-FFF2-40B4-BE49-F238E27FC236}">
+                <a16:creationId xmlns:a16="http://schemas.microsoft.com/office/drawing/2014/main" id="{8E702BA7-0F65-1945-BC21-2F159544BB97}"/>
+              </a:ext>
+            </a:extLst>
+          </p:cNvPr>
+          <p:cNvSpPr txBox="1"/>
+          <p:nvPr/>
+        </p:nvSpPr>
+        <p:spPr>
+          <a:xfrm>
+            <a:off x="8076956" y="4784150"/>
+            <a:ext cx="3635804" cy="369332"/>
+          </a:xfrm>
+          <a:prstGeom prst="rect">
+            <a:avLst/>
+          </a:prstGeom>
+          <a:noFill/>
+        </p:spPr>
+        <p:txBody>
+          <a:bodyPr wrap="none" rtlCol="0">
+            <a:spAutoFit/>
+          </a:bodyPr>
+          <a:lstStyle/>
+          <a:p>
+            <a:r>
+              <a:rPr lang="en-US" dirty="0">
+                <a:solidFill>
+                  <a:schemeClr val="bg1"/>
+                </a:solidFill>
+              </a:rPr>
+              <a:t>reducer property from robust object</a:t>
+            </a:r>
           </a:p>
         </p:txBody>
       </p:sp>
@@ -10858,7 +10934,7 @@
         </p:blipFill>
         <p:spPr>
           <a:xfrm>
-            <a:off x="43265" y="74748"/>
+            <a:off x="0" y="29133"/>
             <a:ext cx="5668157" cy="6837493"/>
           </a:xfrm>
           <a:prstGeom prst="rect">
@@ -10920,8 +10996,8 @@
         </p:nvSpPr>
         <p:spPr>
           <a:xfrm>
-            <a:off x="6431708" y="1304554"/>
-            <a:ext cx="4413405" cy="4377880"/>
+            <a:off x="6302312" y="1258939"/>
+            <a:ext cx="5473677" cy="2571189"/>
           </a:xfrm>
         </p:spPr>
         <p:txBody>
@@ -10936,7 +11012,7 @@
             </a:pPr>
             <a:r>
               <a:rPr lang="en-US" sz="2400" dirty="0"/>
-              <a:t>Import connect from ‘react-redux’</a:t>
+              <a:t>import connect from ‘react-redux’</a:t>
             </a:r>
           </a:p>
           <a:p>
@@ -10978,6 +11054,86 @@
               <a:buChar char="•"/>
             </a:pPr>
             <a:endParaRPr lang="en-US" sz="2400" dirty="0"/>
+          </a:p>
+        </p:txBody>
+      </p:sp>
+      <p:pic>
+        <p:nvPicPr>
+          <p:cNvPr id="4" name="Picture 3">
+            <a:extLst>
+              <a:ext uri="{FF2B5EF4-FFF2-40B4-BE49-F238E27FC236}">
+                <a16:creationId xmlns:a16="http://schemas.microsoft.com/office/drawing/2014/main" id="{7D8482CB-9FDB-044F-8DBC-37151A10F6D0}"/>
+              </a:ext>
+            </a:extLst>
+          </p:cNvPr>
+          <p:cNvPicPr>
+            <a:picLocks noChangeAspect="1"/>
+          </p:cNvPicPr>
+          <p:nvPr/>
+        </p:nvPicPr>
+        <p:blipFill>
+          <a:blip r:embed="rId3"/>
+          <a:stretch>
+            <a:fillRect/>
+          </a:stretch>
+        </p:blipFill>
+        <p:spPr>
+          <a:xfrm>
+            <a:off x="6754482" y="4745521"/>
+            <a:ext cx="4580627" cy="551430"/>
+          </a:xfrm>
+          <a:prstGeom prst="rect">
+            <a:avLst/>
+          </a:prstGeom>
+        </p:spPr>
+      </p:pic>
+      <p:sp>
+        <p:nvSpPr>
+          <p:cNvPr id="5" name="Rectangle 4">
+            <a:extLst>
+              <a:ext uri="{FF2B5EF4-FFF2-40B4-BE49-F238E27FC236}">
+                <a16:creationId xmlns:a16="http://schemas.microsoft.com/office/drawing/2014/main" id="{31F4DB89-56EB-974A-895D-8BF322EAFE53}"/>
+              </a:ext>
+            </a:extLst>
+          </p:cNvPr>
+          <p:cNvSpPr/>
+          <p:nvPr/>
+        </p:nvSpPr>
+        <p:spPr>
+          <a:xfrm>
+            <a:off x="7061596" y="5750679"/>
+            <a:ext cx="3955107" cy="461665"/>
+          </a:xfrm>
+          <a:prstGeom prst="rect">
+            <a:avLst/>
+          </a:prstGeom>
+        </p:spPr>
+        <p:txBody>
+          <a:bodyPr wrap="square">
+            <a:spAutoFit/>
+          </a:bodyPr>
+          <a:lstStyle/>
+          <a:p>
+            <a:r>
+              <a:rPr lang="en-US" sz="1200" dirty="0">
+                <a:solidFill>
+                  <a:schemeClr val="accent2"/>
+                </a:solidFill>
+                <a:hlinkClick r:id="rId4">
+                  <a:extLst>
+                    <a:ext uri="{A12FA001-AC4F-418D-AE19-62706E023703}">
+                      <ahyp:hlinkClr xmlns:ahyp="http://schemas.microsoft.com/office/drawing/2018/hyperlinkcolor" val="tx"/>
+                    </a:ext>
+                  </a:extLst>
+                </a:hlinkClick>
+              </a:rPr>
+              <a:t>https://blog.benestudio.co/5-ways-to-connect-redux-actions-3f56af4009c8</a:t>
+            </a:r>
+            <a:endParaRPr lang="en-US" sz="1200" dirty="0">
+              <a:solidFill>
+                <a:schemeClr val="accent2"/>
+              </a:solidFill>
+            </a:endParaRPr>
           </a:p>
         </p:txBody>
       </p:sp>
@@ -11184,7 +11340,7 @@
                 <a:latin typeface="Arial" panose="020B0604020202020204" pitchFamily="34" charset="0"/>
                 <a:cs typeface="Arial" panose="020B0604020202020204" pitchFamily="34" charset="0"/>
               </a:rPr>
-              <a:t>Install redux, react-redux, react-actions</a:t>
+              <a:t>Install redux, react-redux, redux-actions</a:t>
             </a:r>
           </a:p>
           <a:p>

--- a/05 Flux and Redux.pptx
+++ b/05 Flux and Redux.pptx
@@ -230,7 +230,7 @@
           <a:p>
             <a:fld id="{B376EE29-1A90-1146-96FE-FD5979F1AFC2}" type="datetimeFigureOut">
               <a:rPr lang="en-US" smtClean="0"/>
-              <a:t>3/23/20</a:t>
+              <a:t>3/25/20</a:t>
             </a:fld>
             <a:endParaRPr lang="en-US"/>
           </a:p>
@@ -2243,7 +2243,7 @@
           <a:p>
             <a:fld id="{FAC8553D-62A4-B94A-B303-E17560B89933}" type="datetimeFigureOut">
               <a:rPr lang="en-US" smtClean="0"/>
-              <a:t>3/23/20</a:t>
+              <a:t>3/25/20</a:t>
             </a:fld>
             <a:endParaRPr lang="en-US"/>
           </a:p>
@@ -2441,7 +2441,7 @@
           <a:p>
             <a:fld id="{FAC8553D-62A4-B94A-B303-E17560B89933}" type="datetimeFigureOut">
               <a:rPr lang="en-US" smtClean="0"/>
-              <a:t>3/23/20</a:t>
+              <a:t>3/25/20</a:t>
             </a:fld>
             <a:endParaRPr lang="en-US"/>
           </a:p>
@@ -2649,7 +2649,7 @@
           <a:p>
             <a:fld id="{FAC8553D-62A4-B94A-B303-E17560B89933}" type="datetimeFigureOut">
               <a:rPr lang="en-US" smtClean="0"/>
-              <a:t>3/23/20</a:t>
+              <a:t>3/25/20</a:t>
             </a:fld>
             <a:endParaRPr lang="en-US"/>
           </a:p>
@@ -5281,7 +5281,7 @@
           <a:p>
             <a:fld id="{FAC8553D-62A4-B94A-B303-E17560B89933}" type="datetimeFigureOut">
               <a:rPr lang="en-US" smtClean="0"/>
-              <a:t>3/23/20</a:t>
+              <a:t>3/25/20</a:t>
             </a:fld>
             <a:endParaRPr lang="en-US"/>
           </a:p>
@@ -5981,7 +5981,7 @@
           <a:p>
             <a:fld id="{FAC8553D-62A4-B94A-B303-E17560B89933}" type="datetimeFigureOut">
               <a:rPr lang="en-US" smtClean="0"/>
-              <a:t>3/23/20</a:t>
+              <a:t>3/25/20</a:t>
             </a:fld>
             <a:endParaRPr lang="en-US"/>
           </a:p>
@@ -6246,7 +6246,7 @@
           <a:p>
             <a:fld id="{FAC8553D-62A4-B94A-B303-E17560B89933}" type="datetimeFigureOut">
               <a:rPr lang="en-US" smtClean="0"/>
-              <a:t>3/23/20</a:t>
+              <a:t>3/25/20</a:t>
             </a:fld>
             <a:endParaRPr lang="en-US"/>
           </a:p>
@@ -6658,7 +6658,7 @@
           <a:p>
             <a:fld id="{FAC8553D-62A4-B94A-B303-E17560B89933}" type="datetimeFigureOut">
               <a:rPr lang="en-US" smtClean="0"/>
-              <a:t>3/23/20</a:t>
+              <a:t>3/25/20</a:t>
             </a:fld>
             <a:endParaRPr lang="en-US"/>
           </a:p>
@@ -6799,7 +6799,7 @@
           <a:p>
             <a:fld id="{FAC8553D-62A4-B94A-B303-E17560B89933}" type="datetimeFigureOut">
               <a:rPr lang="en-US" smtClean="0"/>
-              <a:t>3/23/20</a:t>
+              <a:t>3/25/20</a:t>
             </a:fld>
             <a:endParaRPr lang="en-US"/>
           </a:p>
@@ -6912,7 +6912,7 @@
           <a:p>
             <a:fld id="{FAC8553D-62A4-B94A-B303-E17560B89933}" type="datetimeFigureOut">
               <a:rPr lang="en-US" smtClean="0"/>
-              <a:t>3/23/20</a:t>
+              <a:t>3/25/20</a:t>
             </a:fld>
             <a:endParaRPr lang="en-US"/>
           </a:p>
@@ -7223,7 +7223,7 @@
           <a:p>
             <a:fld id="{FAC8553D-62A4-B94A-B303-E17560B89933}" type="datetimeFigureOut">
               <a:rPr lang="en-US" smtClean="0"/>
-              <a:t>3/23/20</a:t>
+              <a:t>3/25/20</a:t>
             </a:fld>
             <a:endParaRPr lang="en-US"/>
           </a:p>
@@ -7511,7 +7511,7 @@
           <a:p>
             <a:fld id="{FAC8553D-62A4-B94A-B303-E17560B89933}" type="datetimeFigureOut">
               <a:rPr lang="en-US" smtClean="0"/>
-              <a:t>3/23/20</a:t>
+              <a:t>3/25/20</a:t>
             </a:fld>
             <a:endParaRPr lang="en-US"/>
           </a:p>
@@ -7764,7 +7764,7 @@
           <a:p>
             <a:fld id="{FAC8553D-62A4-B94A-B303-E17560B89933}" type="datetimeFigureOut">
               <a:rPr lang="en-US" smtClean="0"/>
-              <a:t>3/23/20</a:t>
+              <a:t>3/25/20</a:t>
             </a:fld>
             <a:endParaRPr lang="en-US"/>
           </a:p>
@@ -11079,7 +11079,7 @@
         </p:blipFill>
         <p:spPr>
           <a:xfrm>
-            <a:off x="6754482" y="4745521"/>
+            <a:off x="6754482" y="4762773"/>
             <a:ext cx="4580627" cy="551430"/>
           </a:xfrm>
           <a:prstGeom prst="rect">

--- a/05 Flux and Redux.pptx
+++ b/05 Flux and Redux.pptx
@@ -230,7 +230,7 @@
           <a:p>
             <a:fld id="{B376EE29-1A90-1146-96FE-FD5979F1AFC2}" type="datetimeFigureOut">
               <a:rPr lang="en-US" smtClean="0"/>
-              <a:t>3/25/20</a:t>
+              <a:t>4/27/20</a:t>
             </a:fld>
             <a:endParaRPr lang="en-US"/>
           </a:p>
@@ -2243,7 +2243,7 @@
           <a:p>
             <a:fld id="{FAC8553D-62A4-B94A-B303-E17560B89933}" type="datetimeFigureOut">
               <a:rPr lang="en-US" smtClean="0"/>
-              <a:t>3/25/20</a:t>
+              <a:t>4/27/20</a:t>
             </a:fld>
             <a:endParaRPr lang="en-US"/>
           </a:p>
@@ -2441,7 +2441,7 @@
           <a:p>
             <a:fld id="{FAC8553D-62A4-B94A-B303-E17560B89933}" type="datetimeFigureOut">
               <a:rPr lang="en-US" smtClean="0"/>
-              <a:t>3/25/20</a:t>
+              <a:t>4/27/20</a:t>
             </a:fld>
             <a:endParaRPr lang="en-US"/>
           </a:p>
@@ -2649,7 +2649,7 @@
           <a:p>
             <a:fld id="{FAC8553D-62A4-B94A-B303-E17560B89933}" type="datetimeFigureOut">
               <a:rPr lang="en-US" smtClean="0"/>
-              <a:t>3/25/20</a:t>
+              <a:t>4/27/20</a:t>
             </a:fld>
             <a:endParaRPr lang="en-US"/>
           </a:p>
@@ -5281,7 +5281,7 @@
           <a:p>
             <a:fld id="{FAC8553D-62A4-B94A-B303-E17560B89933}" type="datetimeFigureOut">
               <a:rPr lang="en-US" smtClean="0"/>
-              <a:t>3/25/20</a:t>
+              <a:t>4/27/20</a:t>
             </a:fld>
             <a:endParaRPr lang="en-US"/>
           </a:p>
@@ -5981,7 +5981,7 @@
           <a:p>
             <a:fld id="{FAC8553D-62A4-B94A-B303-E17560B89933}" type="datetimeFigureOut">
               <a:rPr lang="en-US" smtClean="0"/>
-              <a:t>3/25/20</a:t>
+              <a:t>4/27/20</a:t>
             </a:fld>
             <a:endParaRPr lang="en-US"/>
           </a:p>
@@ -6246,7 +6246,7 @@
           <a:p>
             <a:fld id="{FAC8553D-62A4-B94A-B303-E17560B89933}" type="datetimeFigureOut">
               <a:rPr lang="en-US" smtClean="0"/>
-              <a:t>3/25/20</a:t>
+              <a:t>4/27/20</a:t>
             </a:fld>
             <a:endParaRPr lang="en-US"/>
           </a:p>
@@ -6658,7 +6658,7 @@
           <a:p>
             <a:fld id="{FAC8553D-62A4-B94A-B303-E17560B89933}" type="datetimeFigureOut">
               <a:rPr lang="en-US" smtClean="0"/>
-              <a:t>3/25/20</a:t>
+              <a:t>4/27/20</a:t>
             </a:fld>
             <a:endParaRPr lang="en-US"/>
           </a:p>
@@ -6799,7 +6799,7 @@
           <a:p>
             <a:fld id="{FAC8553D-62A4-B94A-B303-E17560B89933}" type="datetimeFigureOut">
               <a:rPr lang="en-US" smtClean="0"/>
-              <a:t>3/25/20</a:t>
+              <a:t>4/27/20</a:t>
             </a:fld>
             <a:endParaRPr lang="en-US"/>
           </a:p>
@@ -6912,7 +6912,7 @@
           <a:p>
             <a:fld id="{FAC8553D-62A4-B94A-B303-E17560B89933}" type="datetimeFigureOut">
               <a:rPr lang="en-US" smtClean="0"/>
-              <a:t>3/25/20</a:t>
+              <a:t>4/27/20</a:t>
             </a:fld>
             <a:endParaRPr lang="en-US"/>
           </a:p>
@@ -7223,7 +7223,7 @@
           <a:p>
             <a:fld id="{FAC8553D-62A4-B94A-B303-E17560B89933}" type="datetimeFigureOut">
               <a:rPr lang="en-US" smtClean="0"/>
-              <a:t>3/25/20</a:t>
+              <a:t>4/27/20</a:t>
             </a:fld>
             <a:endParaRPr lang="en-US"/>
           </a:p>
@@ -7511,7 +7511,7 @@
           <a:p>
             <a:fld id="{FAC8553D-62A4-B94A-B303-E17560B89933}" type="datetimeFigureOut">
               <a:rPr lang="en-US" smtClean="0"/>
-              <a:t>3/25/20</a:t>
+              <a:t>4/27/20</a:t>
             </a:fld>
             <a:endParaRPr lang="en-US"/>
           </a:p>
@@ -7764,7 +7764,7 @@
           <a:p>
             <a:fld id="{FAC8553D-62A4-B94A-B303-E17560B89933}" type="datetimeFigureOut">
               <a:rPr lang="en-US" smtClean="0"/>
-              <a:t>3/25/20</a:t>
+              <a:t>4/27/20</a:t>
             </a:fld>
             <a:endParaRPr lang="en-US"/>
           </a:p>
@@ -10146,7 +10146,7 @@
         </p:nvSpPr>
         <p:spPr>
           <a:xfrm>
-            <a:off x="2043708" y="2096429"/>
+            <a:off x="2043708" y="1904531"/>
             <a:ext cx="3200400" cy="3178098"/>
           </a:xfrm>
           <a:prstGeom prst="mathMultiply">
@@ -10404,7 +10404,7 @@
         </p:blipFill>
         <p:spPr>
           <a:xfrm>
-            <a:off x="7821827" y="909855"/>
+            <a:off x="7821827" y="918481"/>
             <a:ext cx="4064771" cy="5852735"/>
           </a:xfrm>
           <a:prstGeom prst="rect">
@@ -11079,8 +11079,8 @@
         </p:blipFill>
         <p:spPr>
           <a:xfrm>
-            <a:off x="6754482" y="4762773"/>
-            <a:ext cx="4580627" cy="551430"/>
+            <a:off x="6434418" y="4520242"/>
+            <a:ext cx="5090474" cy="612807"/>
           </a:xfrm>
           <a:prstGeom prst="rect">
             <a:avLst/>

--- a/05 Flux and Redux.pptx
+++ b/05 Flux and Redux.pptx
@@ -230,7 +230,7 @@
           <a:p>
             <a:fld id="{B376EE29-1A90-1146-96FE-FD5979F1AFC2}" type="datetimeFigureOut">
               <a:rPr lang="en-US" smtClean="0"/>
-              <a:t>4/27/20</a:t>
+              <a:t>5/28/20</a:t>
             </a:fld>
             <a:endParaRPr lang="en-US"/>
           </a:p>
@@ -2243,7 +2243,7 @@
           <a:p>
             <a:fld id="{FAC8553D-62A4-B94A-B303-E17560B89933}" type="datetimeFigureOut">
               <a:rPr lang="en-US" smtClean="0"/>
-              <a:t>4/27/20</a:t>
+              <a:t>5/28/20</a:t>
             </a:fld>
             <a:endParaRPr lang="en-US"/>
           </a:p>
@@ -2441,7 +2441,7 @@
           <a:p>
             <a:fld id="{FAC8553D-62A4-B94A-B303-E17560B89933}" type="datetimeFigureOut">
               <a:rPr lang="en-US" smtClean="0"/>
-              <a:t>4/27/20</a:t>
+              <a:t>5/28/20</a:t>
             </a:fld>
             <a:endParaRPr lang="en-US"/>
           </a:p>
@@ -2649,7 +2649,7 @@
           <a:p>
             <a:fld id="{FAC8553D-62A4-B94A-B303-E17560B89933}" type="datetimeFigureOut">
               <a:rPr lang="en-US" smtClean="0"/>
-              <a:t>4/27/20</a:t>
+              <a:t>5/28/20</a:t>
             </a:fld>
             <a:endParaRPr lang="en-US"/>
           </a:p>
@@ -5281,7 +5281,7 @@
           <a:p>
             <a:fld id="{FAC8553D-62A4-B94A-B303-E17560B89933}" type="datetimeFigureOut">
               <a:rPr lang="en-US" smtClean="0"/>
-              <a:t>4/27/20</a:t>
+              <a:t>5/28/20</a:t>
             </a:fld>
             <a:endParaRPr lang="en-US"/>
           </a:p>
@@ -5981,7 +5981,7 @@
           <a:p>
             <a:fld id="{FAC8553D-62A4-B94A-B303-E17560B89933}" type="datetimeFigureOut">
               <a:rPr lang="en-US" smtClean="0"/>
-              <a:t>4/27/20</a:t>
+              <a:t>5/28/20</a:t>
             </a:fld>
             <a:endParaRPr lang="en-US"/>
           </a:p>
@@ -6246,7 +6246,7 @@
           <a:p>
             <a:fld id="{FAC8553D-62A4-B94A-B303-E17560B89933}" type="datetimeFigureOut">
               <a:rPr lang="en-US" smtClean="0"/>
-              <a:t>4/27/20</a:t>
+              <a:t>5/28/20</a:t>
             </a:fld>
             <a:endParaRPr lang="en-US"/>
           </a:p>
@@ -6658,7 +6658,7 @@
           <a:p>
             <a:fld id="{FAC8553D-62A4-B94A-B303-E17560B89933}" type="datetimeFigureOut">
               <a:rPr lang="en-US" smtClean="0"/>
-              <a:t>4/27/20</a:t>
+              <a:t>5/28/20</a:t>
             </a:fld>
             <a:endParaRPr lang="en-US"/>
           </a:p>
@@ -6799,7 +6799,7 @@
           <a:p>
             <a:fld id="{FAC8553D-62A4-B94A-B303-E17560B89933}" type="datetimeFigureOut">
               <a:rPr lang="en-US" smtClean="0"/>
-              <a:t>4/27/20</a:t>
+              <a:t>5/28/20</a:t>
             </a:fld>
             <a:endParaRPr lang="en-US"/>
           </a:p>
@@ -6912,7 +6912,7 @@
           <a:p>
             <a:fld id="{FAC8553D-62A4-B94A-B303-E17560B89933}" type="datetimeFigureOut">
               <a:rPr lang="en-US" smtClean="0"/>
-              <a:t>4/27/20</a:t>
+              <a:t>5/28/20</a:t>
             </a:fld>
             <a:endParaRPr lang="en-US"/>
           </a:p>
@@ -7223,7 +7223,7 @@
           <a:p>
             <a:fld id="{FAC8553D-62A4-B94A-B303-E17560B89933}" type="datetimeFigureOut">
               <a:rPr lang="en-US" smtClean="0"/>
-              <a:t>4/27/20</a:t>
+              <a:t>5/28/20</a:t>
             </a:fld>
             <a:endParaRPr lang="en-US"/>
           </a:p>
@@ -7511,7 +7511,7 @@
           <a:p>
             <a:fld id="{FAC8553D-62A4-B94A-B303-E17560B89933}" type="datetimeFigureOut">
               <a:rPr lang="en-US" smtClean="0"/>
-              <a:t>4/27/20</a:t>
+              <a:t>5/28/20</a:t>
             </a:fld>
             <a:endParaRPr lang="en-US"/>
           </a:p>
@@ -7764,7 +7764,7 @@
           <a:p>
             <a:fld id="{FAC8553D-62A4-B94A-B303-E17560B89933}" type="datetimeFigureOut">
               <a:rPr lang="en-US" smtClean="0"/>
-              <a:t>4/27/20</a:t>
+              <a:t>5/28/20</a:t>
             </a:fld>
             <a:endParaRPr lang="en-US"/>
           </a:p>
@@ -12238,10 +12238,10 @@
       </p:grpSpPr>
       <p:pic>
         <p:nvPicPr>
-          <p:cNvPr id="4" name="Picture 3">
+          <p:cNvPr id="3" name="Picture 2">
             <a:extLst>
               <a:ext uri="{FF2B5EF4-FFF2-40B4-BE49-F238E27FC236}">
-                <a16:creationId xmlns:a16="http://schemas.microsoft.com/office/drawing/2014/main" id="{95D21F43-8282-9946-9506-2953C689099E}"/>
+                <a16:creationId xmlns:a16="http://schemas.microsoft.com/office/drawing/2014/main" id="{67A3EFED-DC79-6A43-A490-156E0C588A9B}"/>
               </a:ext>
             </a:extLst>
           </p:cNvPr>
@@ -12258,8 +12258,8 @@
         </p:blipFill>
         <p:spPr>
           <a:xfrm>
-            <a:off x="163202" y="0"/>
-            <a:ext cx="11865595" cy="6858000"/>
+            <a:off x="1532792" y="0"/>
+            <a:ext cx="9126415" cy="6858000"/>
           </a:xfrm>
           <a:prstGeom prst="rect">
             <a:avLst/>

--- a/05 Flux and Redux.pptx
+++ b/05 Flux and Redux.pptx
@@ -230,7 +230,7 @@
           <a:p>
             <a:fld id="{B376EE29-1A90-1146-96FE-FD5979F1AFC2}" type="datetimeFigureOut">
               <a:rPr lang="en-US" smtClean="0"/>
-              <a:t>5/28/20</a:t>
+              <a:t>6/15/20</a:t>
             </a:fld>
             <a:endParaRPr lang="en-US"/>
           </a:p>
@@ -2243,7 +2243,7 @@
           <a:p>
             <a:fld id="{FAC8553D-62A4-B94A-B303-E17560B89933}" type="datetimeFigureOut">
               <a:rPr lang="en-US" smtClean="0"/>
-              <a:t>5/28/20</a:t>
+              <a:t>6/15/20</a:t>
             </a:fld>
             <a:endParaRPr lang="en-US"/>
           </a:p>
@@ -2441,7 +2441,7 @@
           <a:p>
             <a:fld id="{FAC8553D-62A4-B94A-B303-E17560B89933}" type="datetimeFigureOut">
               <a:rPr lang="en-US" smtClean="0"/>
-              <a:t>5/28/20</a:t>
+              <a:t>6/15/20</a:t>
             </a:fld>
             <a:endParaRPr lang="en-US"/>
           </a:p>
@@ -2649,7 +2649,7 @@
           <a:p>
             <a:fld id="{FAC8553D-62A4-B94A-B303-E17560B89933}" type="datetimeFigureOut">
               <a:rPr lang="en-US" smtClean="0"/>
-              <a:t>5/28/20</a:t>
+              <a:t>6/15/20</a:t>
             </a:fld>
             <a:endParaRPr lang="en-US"/>
           </a:p>
@@ -5281,7 +5281,7 @@
           <a:p>
             <a:fld id="{FAC8553D-62A4-B94A-B303-E17560B89933}" type="datetimeFigureOut">
               <a:rPr lang="en-US" smtClean="0"/>
-              <a:t>5/28/20</a:t>
+              <a:t>6/15/20</a:t>
             </a:fld>
             <a:endParaRPr lang="en-US"/>
           </a:p>
@@ -5981,7 +5981,7 @@
           <a:p>
             <a:fld id="{FAC8553D-62A4-B94A-B303-E17560B89933}" type="datetimeFigureOut">
               <a:rPr lang="en-US" smtClean="0"/>
-              <a:t>5/28/20</a:t>
+              <a:t>6/15/20</a:t>
             </a:fld>
             <a:endParaRPr lang="en-US"/>
           </a:p>
@@ -6246,7 +6246,7 @@
           <a:p>
             <a:fld id="{FAC8553D-62A4-B94A-B303-E17560B89933}" type="datetimeFigureOut">
               <a:rPr lang="en-US" smtClean="0"/>
-              <a:t>5/28/20</a:t>
+              <a:t>6/15/20</a:t>
             </a:fld>
             <a:endParaRPr lang="en-US"/>
           </a:p>
@@ -6658,7 +6658,7 @@
           <a:p>
             <a:fld id="{FAC8553D-62A4-B94A-B303-E17560B89933}" type="datetimeFigureOut">
               <a:rPr lang="en-US" smtClean="0"/>
-              <a:t>5/28/20</a:t>
+              <a:t>6/15/20</a:t>
             </a:fld>
             <a:endParaRPr lang="en-US"/>
           </a:p>
@@ -6799,7 +6799,7 @@
           <a:p>
             <a:fld id="{FAC8553D-62A4-B94A-B303-E17560B89933}" type="datetimeFigureOut">
               <a:rPr lang="en-US" smtClean="0"/>
-              <a:t>5/28/20</a:t>
+              <a:t>6/15/20</a:t>
             </a:fld>
             <a:endParaRPr lang="en-US"/>
           </a:p>
@@ -6912,7 +6912,7 @@
           <a:p>
             <a:fld id="{FAC8553D-62A4-B94A-B303-E17560B89933}" type="datetimeFigureOut">
               <a:rPr lang="en-US" smtClean="0"/>
-              <a:t>5/28/20</a:t>
+              <a:t>6/15/20</a:t>
             </a:fld>
             <a:endParaRPr lang="en-US"/>
           </a:p>
@@ -7223,7 +7223,7 @@
           <a:p>
             <a:fld id="{FAC8553D-62A4-B94A-B303-E17560B89933}" type="datetimeFigureOut">
               <a:rPr lang="en-US" smtClean="0"/>
-              <a:t>5/28/20</a:t>
+              <a:t>6/15/20</a:t>
             </a:fld>
             <a:endParaRPr lang="en-US"/>
           </a:p>
@@ -7511,7 +7511,7 @@
           <a:p>
             <a:fld id="{FAC8553D-62A4-B94A-B303-E17560B89933}" type="datetimeFigureOut">
               <a:rPr lang="en-US" smtClean="0"/>
-              <a:t>5/28/20</a:t>
+              <a:t>6/15/20</a:t>
             </a:fld>
             <a:endParaRPr lang="en-US"/>
           </a:p>
@@ -7764,7 +7764,7 @@
           <a:p>
             <a:fld id="{FAC8553D-62A4-B94A-B303-E17560B89933}" type="datetimeFigureOut">
               <a:rPr lang="en-US" smtClean="0"/>
-              <a:t>5/28/20</a:t>
+              <a:t>6/15/20</a:t>
             </a:fld>
             <a:endParaRPr lang="en-US"/>
           </a:p>
@@ -10146,7 +10146,7 @@
         </p:nvSpPr>
         <p:spPr>
           <a:xfrm>
-            <a:off x="2043708" y="1904531"/>
+            <a:off x="1982828" y="2517006"/>
             <a:ext cx="3200400" cy="3178098"/>
           </a:xfrm>
           <a:prstGeom prst="mathMultiply">
@@ -11101,8 +11101,8 @@
         </p:nvSpPr>
         <p:spPr>
           <a:xfrm>
-            <a:off x="7061596" y="5750679"/>
-            <a:ext cx="3955107" cy="461665"/>
+            <a:off x="6475386" y="5546164"/>
+            <a:ext cx="5127528" cy="276999"/>
           </a:xfrm>
           <a:prstGeom prst="rect">
             <a:avLst/>
@@ -11128,6 +11128,56 @@
                 </a:hlinkClick>
               </a:rPr>
               <a:t>https://blog.benestudio.co/5-ways-to-connect-redux-actions-3f56af4009c8</a:t>
+            </a:r>
+            <a:endParaRPr lang="en-US" sz="1200" dirty="0">
+              <a:solidFill>
+                <a:schemeClr val="accent2"/>
+              </a:solidFill>
+            </a:endParaRPr>
+          </a:p>
+        </p:txBody>
+      </p:sp>
+      <p:sp>
+        <p:nvSpPr>
+          <p:cNvPr id="7" name="Rectangle 6">
+            <a:extLst>
+              <a:ext uri="{FF2B5EF4-FFF2-40B4-BE49-F238E27FC236}">
+                <a16:creationId xmlns:a16="http://schemas.microsoft.com/office/drawing/2014/main" id="{999EDD02-696C-5A4F-AC2A-CDA01227BD0C}"/>
+              </a:ext>
+            </a:extLst>
+          </p:cNvPr>
+          <p:cNvSpPr/>
+          <p:nvPr/>
+        </p:nvSpPr>
+        <p:spPr>
+          <a:xfrm>
+            <a:off x="7673816" y="6097778"/>
+            <a:ext cx="2611677" cy="276999"/>
+          </a:xfrm>
+          <a:prstGeom prst="rect">
+            <a:avLst/>
+          </a:prstGeom>
+        </p:spPr>
+        <p:txBody>
+          <a:bodyPr wrap="square">
+            <a:spAutoFit/>
+          </a:bodyPr>
+          <a:lstStyle/>
+          <a:p>
+            <a:r>
+              <a:rPr lang="en-US" sz="1200" dirty="0">
+                <a:solidFill>
+                  <a:schemeClr val="accent2"/>
+                </a:solidFill>
+                <a:hlinkClick r:id="rId5">
+                  <a:extLst>
+                    <a:ext uri="{A12FA001-AC4F-418D-AE19-62706E023703}">
+                      <ahyp:hlinkClr xmlns:ahyp="http://schemas.microsoft.com/office/drawing/2018/hyperlinkcolor" val="tx"/>
+                    </a:ext>
+                  </a:extLst>
+                </a:hlinkClick>
+              </a:rPr>
+              <a:t>https://javascript.info/currying-partials</a:t>
             </a:r>
             <a:endParaRPr lang="en-US" sz="1200" dirty="0">
               <a:solidFill>
@@ -12178,10 +12228,10 @@
       </p:sp>
       <p:pic>
         <p:nvPicPr>
-          <p:cNvPr id="4" name="Picture 3">
+          <p:cNvPr id="3" name="Picture 2">
             <a:extLst>
               <a:ext uri="{FF2B5EF4-FFF2-40B4-BE49-F238E27FC236}">
-                <a16:creationId xmlns:a16="http://schemas.microsoft.com/office/drawing/2014/main" id="{F52B8BF6-C0C9-7645-8334-FA477F63BE7F}"/>
+                <a16:creationId xmlns:a16="http://schemas.microsoft.com/office/drawing/2014/main" id="{D9CC0F34-2E12-2D47-909E-5D1B75B2EECE}"/>
               </a:ext>
             </a:extLst>
           </p:cNvPr>
@@ -12198,8 +12248,8 @@
         </p:blipFill>
         <p:spPr>
           <a:xfrm>
-            <a:off x="1448851" y="1067078"/>
-            <a:ext cx="8745474" cy="5790922"/>
+            <a:off x="2354292" y="937520"/>
+            <a:ext cx="7473206" cy="5790832"/>
           </a:xfrm>
           <a:prstGeom prst="rect">
             <a:avLst/>

--- a/05 Flux and Redux.pptx
+++ b/05 Flux and Redux.pptx
@@ -230,7 +230,7 @@
           <a:p>
             <a:fld id="{B376EE29-1A90-1146-96FE-FD5979F1AFC2}" type="datetimeFigureOut">
               <a:rPr lang="en-US" smtClean="0"/>
-              <a:t>6/15/20</a:t>
+              <a:t>6/16/20</a:t>
             </a:fld>
             <a:endParaRPr lang="en-US"/>
           </a:p>
@@ -2243,7 +2243,7 @@
           <a:p>
             <a:fld id="{FAC8553D-62A4-B94A-B303-E17560B89933}" type="datetimeFigureOut">
               <a:rPr lang="en-US" smtClean="0"/>
-              <a:t>6/15/20</a:t>
+              <a:t>6/16/20</a:t>
             </a:fld>
             <a:endParaRPr lang="en-US"/>
           </a:p>
@@ -2441,7 +2441,7 @@
           <a:p>
             <a:fld id="{FAC8553D-62A4-B94A-B303-E17560B89933}" type="datetimeFigureOut">
               <a:rPr lang="en-US" smtClean="0"/>
-              <a:t>6/15/20</a:t>
+              <a:t>6/16/20</a:t>
             </a:fld>
             <a:endParaRPr lang="en-US"/>
           </a:p>
@@ -2649,7 +2649,7 @@
           <a:p>
             <a:fld id="{FAC8553D-62A4-B94A-B303-E17560B89933}" type="datetimeFigureOut">
               <a:rPr lang="en-US" smtClean="0"/>
-              <a:t>6/15/20</a:t>
+              <a:t>6/16/20</a:t>
             </a:fld>
             <a:endParaRPr lang="en-US"/>
           </a:p>
@@ -5281,7 +5281,7 @@
           <a:p>
             <a:fld id="{FAC8553D-62A4-B94A-B303-E17560B89933}" type="datetimeFigureOut">
               <a:rPr lang="en-US" smtClean="0"/>
-              <a:t>6/15/20</a:t>
+              <a:t>6/16/20</a:t>
             </a:fld>
             <a:endParaRPr lang="en-US"/>
           </a:p>
@@ -5981,7 +5981,7 @@
           <a:p>
             <a:fld id="{FAC8553D-62A4-B94A-B303-E17560B89933}" type="datetimeFigureOut">
               <a:rPr lang="en-US" smtClean="0"/>
-              <a:t>6/15/20</a:t>
+              <a:t>6/16/20</a:t>
             </a:fld>
             <a:endParaRPr lang="en-US"/>
           </a:p>
@@ -6246,7 +6246,7 @@
           <a:p>
             <a:fld id="{FAC8553D-62A4-B94A-B303-E17560B89933}" type="datetimeFigureOut">
               <a:rPr lang="en-US" smtClean="0"/>
-              <a:t>6/15/20</a:t>
+              <a:t>6/16/20</a:t>
             </a:fld>
             <a:endParaRPr lang="en-US"/>
           </a:p>
@@ -6658,7 +6658,7 @@
           <a:p>
             <a:fld id="{FAC8553D-62A4-B94A-B303-E17560B89933}" type="datetimeFigureOut">
               <a:rPr lang="en-US" smtClean="0"/>
-              <a:t>6/15/20</a:t>
+              <a:t>6/16/20</a:t>
             </a:fld>
             <a:endParaRPr lang="en-US"/>
           </a:p>
@@ -6799,7 +6799,7 @@
           <a:p>
             <a:fld id="{FAC8553D-62A4-B94A-B303-E17560B89933}" type="datetimeFigureOut">
               <a:rPr lang="en-US" smtClean="0"/>
-              <a:t>6/15/20</a:t>
+              <a:t>6/16/20</a:t>
             </a:fld>
             <a:endParaRPr lang="en-US"/>
           </a:p>
@@ -6912,7 +6912,7 @@
           <a:p>
             <a:fld id="{FAC8553D-62A4-B94A-B303-E17560B89933}" type="datetimeFigureOut">
               <a:rPr lang="en-US" smtClean="0"/>
-              <a:t>6/15/20</a:t>
+              <a:t>6/16/20</a:t>
             </a:fld>
             <a:endParaRPr lang="en-US"/>
           </a:p>
@@ -7223,7 +7223,7 @@
           <a:p>
             <a:fld id="{FAC8553D-62A4-B94A-B303-E17560B89933}" type="datetimeFigureOut">
               <a:rPr lang="en-US" smtClean="0"/>
-              <a:t>6/15/20</a:t>
+              <a:t>6/16/20</a:t>
             </a:fld>
             <a:endParaRPr lang="en-US"/>
           </a:p>
@@ -7511,7 +7511,7 @@
           <a:p>
             <a:fld id="{FAC8553D-62A4-B94A-B303-E17560B89933}" type="datetimeFigureOut">
               <a:rPr lang="en-US" smtClean="0"/>
-              <a:t>6/15/20</a:t>
+              <a:t>6/16/20</a:t>
             </a:fld>
             <a:endParaRPr lang="en-US"/>
           </a:p>
@@ -7764,7 +7764,7 @@
           <a:p>
             <a:fld id="{FAC8553D-62A4-B94A-B303-E17560B89933}" type="datetimeFigureOut">
               <a:rPr lang="en-US" smtClean="0"/>
-              <a:t>6/15/20</a:t>
+              <a:t>6/16/20</a:t>
             </a:fld>
             <a:endParaRPr lang="en-US"/>
           </a:p>
